--- a/johsys24/sivut/Web-käyttöliittymä.pptx
+++ b/johsys24/sivut/Web-käyttöliittymä.pptx
@@ -203,7 +203,7 @@
           <a:p>
             <a:fld id="{CC63BC64-C32E-4FD1-B213-ACCECEC3936F}" type="datetimeFigureOut">
               <a:rPr lang="fi-FI" smtClean="0"/>
-              <a:t>14.2.2024</a:t>
+              <a:t>19.2.2024</a:t>
             </a:fld>
             <a:endParaRPr lang="fi-FI"/>
           </a:p>
@@ -21825,7 +21825,7 @@
         <p:spPr/>
         <p:txBody>
           <a:bodyPr>
-            <a:normAutofit fontScale="85000" lnSpcReduction="20000"/>
+            <a:normAutofit fontScale="70000" lnSpcReduction="20000"/>
           </a:bodyPr>
           <a:lstStyle/>
           <a:p>
@@ -21907,6 +21907,22 @@
               <a:rPr lang="fi-FI" dirty="0"/>
               <a:t>…</a:t>
             </a:r>
+          </a:p>
+          <a:p>
+            <a:pPr lvl="1"/>
+            <a:r>
+              <a:rPr lang="en-US" dirty="0">
+                <a:hlinkClick r:id="rId2"/>
+              </a:rPr>
+              <a:t> How to Properly Layout A Website (For Beginners) </a:t>
+            </a:r>
+            <a:endParaRPr lang="fi-FI" dirty="0"/>
+          </a:p>
+          <a:p>
+            <a:pPr marL="128016" lvl="1" indent="0">
+              <a:buNone/>
+            </a:pPr>
+            <a:endParaRPr lang="fi-FI" dirty="0"/>
           </a:p>
           <a:p>
             <a:r>
@@ -21999,8 +22015,8 @@
           <a:p>
             <a:pPr lvl="1"/>
             <a:r>
-              <a:rPr lang="fi-FI">
-                <a:hlinkClick r:id="rId2"/>
+              <a:rPr lang="fi-FI" dirty="0">
+                <a:hlinkClick r:id="rId3"/>
               </a:rPr>
               <a:t>https://www.w3schools.com/howto/howto_css_mega_menu.asp</a:t>
             </a:r>
@@ -22025,6 +22041,9 @@
               <a:rPr lang="fi-FI" dirty="0"/>
               <a:t>Tarjoa käyttäjälle helppo ja looginen paluu etusivulle. </a:t>
             </a:r>
+          </a:p>
+          <a:p>
+            <a:endParaRPr lang="fi-FI" dirty="0"/>
           </a:p>
           <a:p>
             <a:pPr lvl="1"/>
